--- a/Frogger.pptx
+++ b/Frogger.pptx
@@ -110,6 +110,22 @@
       </a:defRPr>
     </a:lvl9pPr>
   </p:defaultTextStyle>
+  <p:extLst>
+    <p:ext uri="{EFAFB233-063F-42B5-8137-9DF3F51BA10A}">
+      <p15:sldGuideLst xmlns:p15="http://schemas.microsoft.com/office/powerpoint/2012/main">
+        <p15:guide id="1" orient="horz" pos="2160">
+          <p15:clr>
+            <a:srgbClr val="A4A3A4"/>
+          </p15:clr>
+        </p15:guide>
+        <p15:guide id="2" pos="2880">
+          <p15:clr>
+            <a:srgbClr val="A4A3A4"/>
+          </p15:clr>
+        </p15:guide>
+      </p15:sldGuideLst>
+    </p:ext>
+  </p:extLst>
 </p:presentation>
 </file>
 
@@ -581,7 +597,7 @@
           <a:p>
             <a:fld id="{9C7568CA-C40B-4441-818D-6BD99CED7BB2}" type="datetimeFigureOut">
               <a:rPr lang="fr-FR" smtClean="0"/>
-              <a:t>28/05/2013</a:t>
+              <a:t>31/03/2014</a:t>
             </a:fld>
             <a:endParaRPr lang="fr-FR"/>
           </a:p>
@@ -746,7 +762,7 @@
           <a:p>
             <a:fld id="{9C7568CA-C40B-4441-818D-6BD99CED7BB2}" type="datetimeFigureOut">
               <a:rPr lang="fr-FR" smtClean="0"/>
-              <a:t>28/05/2013</a:t>
+              <a:t>31/03/2014</a:t>
             </a:fld>
             <a:endParaRPr lang="fr-FR"/>
           </a:p>
@@ -921,7 +937,7 @@
           <a:p>
             <a:fld id="{9C7568CA-C40B-4441-818D-6BD99CED7BB2}" type="datetimeFigureOut">
               <a:rPr lang="fr-FR" smtClean="0"/>
-              <a:t>28/05/2013</a:t>
+              <a:t>31/03/2014</a:t>
             </a:fld>
             <a:endParaRPr lang="fr-FR"/>
           </a:p>
@@ -1086,7 +1102,7 @@
           <a:p>
             <a:fld id="{9C7568CA-C40B-4441-818D-6BD99CED7BB2}" type="datetimeFigureOut">
               <a:rPr lang="fr-FR" smtClean="0"/>
-              <a:t>28/05/2013</a:t>
+              <a:t>31/03/2014</a:t>
             </a:fld>
             <a:endParaRPr lang="fr-FR"/>
           </a:p>
@@ -1639,7 +1655,7 @@
           <a:p>
             <a:fld id="{9C7568CA-C40B-4441-818D-6BD99CED7BB2}" type="datetimeFigureOut">
               <a:rPr lang="fr-FR" smtClean="0"/>
-              <a:t>28/05/2013</a:t>
+              <a:t>31/03/2014</a:t>
             </a:fld>
             <a:endParaRPr lang="fr-FR"/>
           </a:p>
@@ -1899,7 +1915,7 @@
           <a:p>
             <a:fld id="{9C7568CA-C40B-4441-818D-6BD99CED7BB2}" type="datetimeFigureOut">
               <a:rPr lang="fr-FR" smtClean="0"/>
-              <a:t>28/05/2013</a:t>
+              <a:t>31/03/2014</a:t>
             </a:fld>
             <a:endParaRPr lang="fr-FR"/>
           </a:p>
@@ -2387,7 +2403,7 @@
           <a:p>
             <a:fld id="{9C7568CA-C40B-4441-818D-6BD99CED7BB2}" type="datetimeFigureOut">
               <a:rPr lang="fr-FR" smtClean="0"/>
-              <a:t>28/05/2013</a:t>
+              <a:t>31/03/2014</a:t>
             </a:fld>
             <a:endParaRPr lang="fr-FR"/>
           </a:p>
@@ -2500,7 +2516,7 @@
           <a:p>
             <a:fld id="{9C7568CA-C40B-4441-818D-6BD99CED7BB2}" type="datetimeFigureOut">
               <a:rPr lang="fr-FR" smtClean="0"/>
-              <a:t>28/05/2013</a:t>
+              <a:t>31/03/2014</a:t>
             </a:fld>
             <a:endParaRPr lang="fr-FR"/>
           </a:p>
@@ -2590,7 +2606,7 @@
           <a:p>
             <a:fld id="{9C7568CA-C40B-4441-818D-6BD99CED7BB2}" type="datetimeFigureOut">
               <a:rPr lang="fr-FR" smtClean="0"/>
-              <a:t>28/05/2013</a:t>
+              <a:t>31/03/2014</a:t>
             </a:fld>
             <a:endParaRPr lang="fr-FR"/>
           </a:p>
@@ -3020,7 +3036,7 @@
           <a:p>
             <a:fld id="{9C7568CA-C40B-4441-818D-6BD99CED7BB2}" type="datetimeFigureOut">
               <a:rPr lang="fr-FR" smtClean="0"/>
-              <a:t>28/05/2013</a:t>
+              <a:t>31/03/2014</a:t>
             </a:fld>
             <a:endParaRPr lang="fr-FR"/>
           </a:p>
@@ -3553,7 +3569,7 @@
           <a:p>
             <a:fld id="{9C7568CA-C40B-4441-818D-6BD99CED7BB2}" type="datetimeFigureOut">
               <a:rPr lang="fr-FR" smtClean="0"/>
-              <a:t>28/05/2013</a:t>
+              <a:t>31/03/2014</a:t>
             </a:fld>
             <a:endParaRPr lang="fr-FR"/>
           </a:p>
@@ -4393,7 +4409,7 @@
           <a:p>
             <a:fld id="{9C7568CA-C40B-4441-818D-6BD99CED7BB2}" type="datetimeFigureOut">
               <a:rPr lang="fr-FR" smtClean="0"/>
-              <a:t>28/05/2013</a:t>
+              <a:t>31/03/2014</a:t>
             </a:fld>
             <a:endParaRPr lang="fr-FR"/>
           </a:p>
@@ -5624,7 +5640,7 @@
       </p:sp>
       <p:pic>
         <p:nvPicPr>
-          <p:cNvPr id="2050" name="Picture 2"/>
+          <p:cNvPr id="2051" name="Picture 3"/>
           <p:cNvPicPr>
             <a:picLocks noChangeAspect="1" noChangeArrowheads="1"/>
           </p:cNvPicPr>
@@ -5632,60 +5648,6 @@
         </p:nvPicPr>
         <p:blipFill>
           <a:blip r:embed="rId2">
-            <a:extLst>
-              <a:ext uri="{28A0092B-C50C-407E-A947-70E740481C1C}">
-                <a14:useLocalDpi xmlns:a14="http://schemas.microsoft.com/office/drawing/2010/main" val="0"/>
-              </a:ext>
-            </a:extLst>
-          </a:blip>
-          <a:srcRect/>
-          <a:stretch>
-            <a:fillRect/>
-          </a:stretch>
-        </p:blipFill>
-        <p:spPr bwMode="auto">
-          <a:xfrm>
-            <a:off x="432228" y="1484784"/>
-            <a:ext cx="5962650" cy="781050"/>
-          </a:xfrm>
-          <a:prstGeom prst="rect">
-            <a:avLst/>
-          </a:prstGeom>
-          <a:noFill/>
-          <a:ln>
-            <a:noFill/>
-          </a:ln>
-          <a:extLst>
-            <a:ext uri="{909E8E84-426E-40DD-AFC4-6F175D3DCCD1}">
-              <a14:hiddenFill xmlns:a14="http://schemas.microsoft.com/office/drawing/2010/main">
-                <a:solidFill>
-                  <a:schemeClr val="accent1"/>
-                </a:solidFill>
-              </a14:hiddenFill>
-            </a:ext>
-            <a:ext uri="{91240B29-F687-4F45-9708-019B960494DF}">
-              <a14:hiddenLine xmlns:a14="http://schemas.microsoft.com/office/drawing/2010/main" w="9525">
-                <a:solidFill>
-                  <a:schemeClr val="tx1"/>
-                </a:solidFill>
-                <a:miter lim="800000"/>
-                <a:headEnd/>
-                <a:tailEnd/>
-              </a14:hiddenLine>
-            </a:ext>
-          </a:extLst>
-        </p:spPr>
-      </p:pic>
-      <p:pic>
-        <p:nvPicPr>
-          <p:cNvPr id="2051" name="Picture 3"/>
-          <p:cNvPicPr>
-            <a:picLocks noChangeAspect="1" noChangeArrowheads="1"/>
-          </p:cNvPicPr>
-          <p:nvPr/>
-        </p:nvPicPr>
-        <p:blipFill>
-          <a:blip r:embed="rId3">
             <a:extLst>
               <a:ext uri="{28A0092B-C50C-407E-A947-70E740481C1C}">
                 <a14:useLocalDpi xmlns:a14="http://schemas.microsoft.com/office/drawing/2010/main" val="0"/>
@@ -5769,7 +5731,7 @@
           <p:nvPr/>
         </p:nvPicPr>
         <p:blipFill>
-          <a:blip r:embed="rId4">
+          <a:blip r:embed="rId3">
             <a:extLst>
               <a:ext uri="{28A0092B-C50C-407E-A947-70E740481C1C}">
                 <a14:useLocalDpi xmlns:a14="http://schemas.microsoft.com/office/drawing/2010/main" val="0"/>
@@ -5852,6 +5814,30 @@
           </a:p>
         </p:txBody>
       </p:sp>
+      <p:pic>
+        <p:nvPicPr>
+          <p:cNvPr id="6" name="Image 5"/>
+          <p:cNvPicPr>
+            <a:picLocks noChangeAspect="1"/>
+          </p:cNvPicPr>
+          <p:nvPr/>
+        </p:nvPicPr>
+        <p:blipFill>
+          <a:blip r:embed="rId4"/>
+          <a:stretch>
+            <a:fillRect/>
+          </a:stretch>
+        </p:blipFill>
+        <p:spPr>
+          <a:xfrm>
+            <a:off x="432228" y="1420022"/>
+            <a:ext cx="5962650" cy="781050"/>
+          </a:xfrm>
+          <a:prstGeom prst="rect">
+            <a:avLst/>
+          </a:prstGeom>
+        </p:spPr>
+      </p:pic>
     </p:spTree>
     <p:extLst>
       <p:ext uri="{BB962C8B-B14F-4D97-AF65-F5344CB8AC3E}">
